--- a/materials/slides/7.1.pptx
+++ b/materials/slides/7.1.pptx
@@ -5,10 +5,10 @@
     <p:sldMasterId id="2147483776" r:id="rId1"/>
   </p:sldMasterIdLst>
   <p:notesMasterIdLst>
-    <p:notesMasterId r:id="rId37"/>
+    <p:notesMasterId r:id="rId35"/>
   </p:notesMasterIdLst>
   <p:handoutMasterIdLst>
-    <p:handoutMasterId r:id="rId38"/>
+    <p:handoutMasterId r:id="rId36"/>
   </p:handoutMasterIdLst>
   <p:sldIdLst>
     <p:sldId id="552" r:id="rId2"/>
@@ -18,11 +18,11 @@
     <p:sldId id="556" r:id="rId6"/>
     <p:sldId id="557" r:id="rId7"/>
     <p:sldId id="558" r:id="rId8"/>
-    <p:sldId id="559" r:id="rId9"/>
+    <p:sldId id="591" r:id="rId9"/>
     <p:sldId id="560" r:id="rId10"/>
     <p:sldId id="561" r:id="rId11"/>
-    <p:sldId id="562" r:id="rId12"/>
-    <p:sldId id="563" r:id="rId13"/>
+    <p:sldId id="563" r:id="rId12"/>
+    <p:sldId id="562" r:id="rId13"/>
     <p:sldId id="577" r:id="rId14"/>
     <p:sldId id="576" r:id="rId15"/>
     <p:sldId id="578" r:id="rId16"/>
@@ -42,10 +42,8 @@
     <p:sldId id="569" r:id="rId30"/>
     <p:sldId id="570" r:id="rId31"/>
     <p:sldId id="571" r:id="rId32"/>
-    <p:sldId id="572" r:id="rId33"/>
-    <p:sldId id="573" r:id="rId34"/>
-    <p:sldId id="574" r:id="rId35"/>
-    <p:sldId id="575" r:id="rId36"/>
+    <p:sldId id="573" r:id="rId33"/>
+    <p:sldId id="575" r:id="rId34"/>
   </p:sldIdLst>
   <p:sldSz cx="12192000" cy="6858000"/>
   <p:notesSz cx="6858000" cy="9144000"/>
@@ -1009,6 +1007,71 @@
 </file>
 
 <file path=ppt/notesSlides/notesSlide2.xml><?xml version="1.0" encoding="utf-8"?>
+<p:notes xmlns:a="http://schemas.openxmlformats.org/drawingml/2006/main" xmlns:r="http://schemas.openxmlformats.org/officeDocument/2006/relationships" xmlns:p="http://schemas.openxmlformats.org/presentationml/2006/main">
+  <p:cSld>
+    <p:spTree>
+      <p:nvGrpSpPr>
+        <p:cNvPr id="1" name=""/>
+        <p:cNvGrpSpPr/>
+        <p:nvPr/>
+      </p:nvGrpSpPr>
+      <p:grpSpPr>
+        <a:xfrm>
+          <a:off x="0" y="0"/>
+          <a:ext cx="0" cy="0"/>
+          <a:chOff x="0" y="0"/>
+          <a:chExt cx="0" cy="0"/>
+        </a:xfrm>
+      </p:grpSpPr>
+      <p:sp>
+        <p:nvSpPr>
+          <p:cNvPr id="2" name="幻灯片图像占位符 1"/>
+          <p:cNvSpPr>
+            <a:spLocks noGrp="1" noRot="1" noChangeAspect="1"/>
+          </p:cNvSpPr>
+          <p:nvPr>
+            <p:ph type="sldImg"/>
+          </p:nvPr>
+        </p:nvSpPr>
+        <p:spPr/>
+      </p:sp>
+      <p:sp>
+        <p:nvSpPr>
+          <p:cNvPr id="3" name="备注占位符 2"/>
+          <p:cNvSpPr>
+            <a:spLocks noGrp="1"/>
+          </p:cNvSpPr>
+          <p:nvPr>
+            <p:ph type="body" idx="1"/>
+          </p:nvPr>
+        </p:nvSpPr>
+        <p:spPr/>
+        <p:txBody>
+          <a:bodyPr/>
+          <a:lstStyle/>
+          <a:p>
+            <a:r>
+              <a:rPr lang="zh-CN" altLang="en-US" dirty="0" smtClean="0"/>
+              <a:t>软件设计说明书中可独立测试的元素，程序中逻辑上独立的部分。程序模块或者功能模块</a:t>
+            </a:r>
+            <a:endParaRPr lang="zh-CN" altLang="en-US" dirty="0"/>
+          </a:p>
+        </p:txBody>
+      </p:sp>
+    </p:spTree>
+    <p:extLst>
+      <p:ext uri="{BB962C8B-B14F-4D97-AF65-F5344CB8AC3E}">
+        <p14:creationId xmlns:p14="http://schemas.microsoft.com/office/powerpoint/2010/main" val="4170379073"/>
+      </p:ext>
+    </p:extLst>
+  </p:cSld>
+  <p:clrMapOvr>
+    <a:masterClrMapping/>
+  </p:clrMapOvr>
+</p:notes>
+</file>
+
+<file path=ppt/notesSlides/notesSlide3.xml><?xml version="1.0" encoding="utf-8"?>
 <p:notes xmlns:a="http://schemas.openxmlformats.org/drawingml/2006/main" xmlns:r="http://schemas.openxmlformats.org/officeDocument/2006/relationships" xmlns:p="http://schemas.openxmlformats.org/presentationml/2006/main">
   <p:cSld>
     <p:spTree>
@@ -4543,10 +4606,16 @@
             <a:endParaRPr lang="en-US" altLang="zh-CN" dirty="0" smtClean="0"/>
           </a:p>
           <a:p>
-            <a:pPr lvl="1"/>
-            <a:r>
-              <a:rPr lang="zh-CN" altLang="en-US" dirty="0"/>
-              <a:t>模块</a:t>
+            <a:pPr marL="471487" lvl="1" indent="0">
+              <a:buNone/>
+            </a:pPr>
+            <a:r>
+              <a:rPr lang="zh-CN" altLang="en-US" dirty="0" smtClean="0">
+                <a:solidFill>
+                  <a:srgbClr val="FF0000"/>
+                </a:solidFill>
+              </a:rPr>
+              <a:t>注</a:t>
             </a:r>
             <a:r>
               <a:rPr lang="zh-CN" altLang="en-US" dirty="0">
@@ -4554,37 +4623,7 @@
                   <a:srgbClr val="FF0000"/>
                 </a:solidFill>
               </a:rPr>
-              <a:t>边界条件</a:t>
-            </a:r>
-            <a:r>
-              <a:rPr lang="zh-CN" altLang="en-US" dirty="0"/>
-              <a:t>测试：在被测模块的输入</a:t>
-            </a:r>
-            <a:r>
-              <a:rPr lang="en-US" altLang="zh-CN" dirty="0"/>
-              <a:t>/</a:t>
-            </a:r>
-            <a:r>
-              <a:rPr lang="zh-CN" altLang="en-US" dirty="0"/>
-              <a:t>输出域边界或其附近设计</a:t>
-            </a:r>
-            <a:r>
-              <a:rPr lang="zh-CN" altLang="en-US" dirty="0" smtClean="0"/>
-              <a:t>测试用例</a:t>
-            </a:r>
-            <a:endParaRPr lang="en-US" altLang="zh-CN" dirty="0" smtClean="0"/>
-          </a:p>
-          <a:p>
-            <a:pPr marL="471487" lvl="1" indent="0">
-              <a:buNone/>
-            </a:pPr>
-            <a:r>
-              <a:rPr lang="zh-CN" altLang="en-US" dirty="0">
-                <a:solidFill>
-                  <a:srgbClr val="FF0000"/>
-                </a:solidFill>
-              </a:rPr>
-              <a:t>注：主要关注程序的逻辑分支问题。</a:t>
+              <a:t>：主要关注程序的逻辑分支问题。</a:t>
             </a:r>
           </a:p>
           <a:p>
@@ -5032,109 +5071,6 @@
                       </p:childTnLst>
                     </p:cTn>
                   </p:par>
-                  <p:par>
-                    <p:cTn id="27" fill="hold">
-                      <p:stCondLst>
-                        <p:cond delay="indefinite"/>
-                      </p:stCondLst>
-                      <p:childTnLst>
-                        <p:par>
-                          <p:cTn id="28" fill="hold">
-                            <p:stCondLst>
-                              <p:cond delay="0"/>
-                            </p:stCondLst>
-                            <p:childTnLst>
-                              <p:par>
-                                <p:cTn id="29" presetID="2" presetClass="entr" presetSubtype="4" fill="hold" nodeType="clickEffect">
-                                  <p:stCondLst>
-                                    <p:cond delay="0"/>
-                                  </p:stCondLst>
-                                  <p:childTnLst>
-                                    <p:set>
-                                      <p:cBhvr>
-                                        <p:cTn id="30" dur="1" fill="hold">
-                                          <p:stCondLst>
-                                            <p:cond delay="0"/>
-                                          </p:stCondLst>
-                                        </p:cTn>
-                                        <p:tgtEl>
-                                          <p:spTgt spid="3">
-                                            <p:txEl>
-                                              <p:pRg st="4" end="4"/>
-                                            </p:txEl>
-                                          </p:spTgt>
-                                        </p:tgtEl>
-                                        <p:attrNameLst>
-                                          <p:attrName>style.visibility</p:attrName>
-                                        </p:attrNameLst>
-                                      </p:cBhvr>
-                                      <p:to>
-                                        <p:strVal val="visible"/>
-                                      </p:to>
-                                    </p:set>
-                                    <p:anim calcmode="lin" valueType="num">
-                                      <p:cBhvr additive="base">
-                                        <p:cTn id="31" dur="500" fill="hold"/>
-                                        <p:tgtEl>
-                                          <p:spTgt spid="3">
-                                            <p:txEl>
-                                              <p:pRg st="4" end="4"/>
-                                            </p:txEl>
-                                          </p:spTgt>
-                                        </p:tgtEl>
-                                        <p:attrNameLst>
-                                          <p:attrName>ppt_x</p:attrName>
-                                        </p:attrNameLst>
-                                      </p:cBhvr>
-                                      <p:tavLst>
-                                        <p:tav tm="0">
-                                          <p:val>
-                                            <p:strVal val="#ppt_x"/>
-                                          </p:val>
-                                        </p:tav>
-                                        <p:tav tm="100000">
-                                          <p:val>
-                                            <p:strVal val="#ppt_x"/>
-                                          </p:val>
-                                        </p:tav>
-                                      </p:tavLst>
-                                    </p:anim>
-                                    <p:anim calcmode="lin" valueType="num">
-                                      <p:cBhvr additive="base">
-                                        <p:cTn id="32" dur="500" fill="hold"/>
-                                        <p:tgtEl>
-                                          <p:spTgt spid="3">
-                                            <p:txEl>
-                                              <p:pRg st="4" end="4"/>
-                                            </p:txEl>
-                                          </p:spTgt>
-                                        </p:tgtEl>
-                                        <p:attrNameLst>
-                                          <p:attrName>ppt_y</p:attrName>
-                                        </p:attrNameLst>
-                                      </p:cBhvr>
-                                      <p:tavLst>
-                                        <p:tav tm="0">
-                                          <p:val>
-                                            <p:strVal val="1+#ppt_h/2"/>
-                                          </p:val>
-                                        </p:tav>
-                                        <p:tav tm="100000">
-                                          <p:val>
-                                            <p:strVal val="#ppt_y"/>
-                                          </p:val>
-                                        </p:tav>
-                                      </p:tavLst>
-                                    </p:anim>
-                                  </p:childTnLst>
-                                </p:cTn>
-                              </p:par>
-                            </p:childTnLst>
-                          </p:cTn>
-                        </p:par>
-                      </p:childTnLst>
-                    </p:cTn>
-                  </p:par>
                 </p:childTnLst>
               </p:cTn>
               <p:prevCondLst>
@@ -5161,188 +5097,6 @@
 </file>
 
 <file path=ppt/slides/slide11.xml><?xml version="1.0" encoding="utf-8"?>
-<p:sld xmlns:a="http://schemas.openxmlformats.org/drawingml/2006/main" xmlns:r="http://schemas.openxmlformats.org/officeDocument/2006/relationships" xmlns:p="http://schemas.openxmlformats.org/presentationml/2006/main" show="0">
-  <p:cSld>
-    <p:spTree>
-      <p:nvGrpSpPr>
-        <p:cNvPr id="1" name=""/>
-        <p:cNvGrpSpPr/>
-        <p:nvPr/>
-      </p:nvGrpSpPr>
-      <p:grpSpPr>
-        <a:xfrm>
-          <a:off x="0" y="0"/>
-          <a:ext cx="0" cy="0"/>
-          <a:chOff x="0" y="0"/>
-          <a:chExt cx="0" cy="0"/>
-        </a:xfrm>
-      </p:grpSpPr>
-      <p:sp>
-        <p:nvSpPr>
-          <p:cNvPr id="11267" name="Rectangle 2"/>
-          <p:cNvSpPr>
-            <a:spLocks noGrp="1" noChangeArrowheads="1"/>
-          </p:cNvSpPr>
-          <p:nvPr>
-            <p:ph type="title"/>
-          </p:nvPr>
-        </p:nvSpPr>
-        <p:spPr/>
-        <p:txBody>
-          <a:bodyPr/>
-          <a:lstStyle/>
-          <a:p>
-            <a:r>
-              <a:rPr lang="en-US" altLang="zh-CN" smtClean="0"/>
-              <a:t>7.2 </a:t>
-            </a:r>
-            <a:r>
-              <a:rPr lang="zh-CN" altLang="en-US" smtClean="0"/>
-              <a:t>单元测试的内容</a:t>
-            </a:r>
-          </a:p>
-        </p:txBody>
-      </p:sp>
-      <p:sp>
-        <p:nvSpPr>
-          <p:cNvPr id="11268" name="Rectangle 3"/>
-          <p:cNvSpPr>
-            <a:spLocks noGrp="1" noChangeArrowheads="1"/>
-          </p:cNvSpPr>
-          <p:nvPr>
-            <p:ph idx="1"/>
-          </p:nvPr>
-        </p:nvSpPr>
-        <p:spPr>
-          <a:xfrm>
-            <a:off x="623392" y="980728"/>
-            <a:ext cx="11089232" cy="4843264"/>
-          </a:xfrm>
-        </p:spPr>
-        <p:txBody>
-          <a:bodyPr/>
-          <a:lstStyle/>
-          <a:p>
-            <a:r>
-              <a:rPr lang="zh-CN" altLang="en-US" dirty="0" smtClean="0"/>
-              <a:t>模块边界条件测试：在被测模块的输入</a:t>
-            </a:r>
-            <a:r>
-              <a:rPr lang="en-US" altLang="zh-CN" dirty="0" smtClean="0"/>
-              <a:t>/</a:t>
-            </a:r>
-            <a:r>
-              <a:rPr lang="zh-CN" altLang="en-US" dirty="0" smtClean="0"/>
-              <a:t>输出域边界或其附近设计测试用例</a:t>
-            </a:r>
-            <a:endParaRPr lang="en-US" altLang="zh-CN" dirty="0" smtClean="0"/>
-          </a:p>
-          <a:p>
-            <a:pPr lvl="1"/>
-            <a:r>
-              <a:rPr lang="zh-CN" altLang="en-US" dirty="0" smtClean="0"/>
-              <a:t>可能与边界有关的数据类型如数值、字符、位置、数量、尺寸等</a:t>
-            </a:r>
-          </a:p>
-          <a:p>
-            <a:pPr lvl="1"/>
-            <a:r>
-              <a:rPr lang="zh-CN" altLang="en-US" dirty="0" smtClean="0"/>
-              <a:t>边界的首个、最后一个、最大值、最小值、最长、最短、最高、最低等特征。如：运算或判断中取最大值、最小值时是否有错误</a:t>
-            </a:r>
-          </a:p>
-          <a:p>
-            <a:pPr lvl="1"/>
-            <a:r>
-              <a:rPr lang="zh-CN" altLang="en-US" dirty="0" smtClean="0"/>
-              <a:t>在</a:t>
-            </a:r>
-            <a:r>
-              <a:rPr lang="en-US" altLang="zh-CN" dirty="0" smtClean="0"/>
-              <a:t>n</a:t>
-            </a:r>
-            <a:r>
-              <a:rPr lang="zh-CN" altLang="en-US" dirty="0" smtClean="0"/>
-              <a:t>次循环的第</a:t>
-            </a:r>
-            <a:r>
-              <a:rPr lang="en-US" altLang="zh-CN" dirty="0" smtClean="0"/>
-              <a:t>0</a:t>
-            </a:r>
-            <a:r>
-              <a:rPr lang="zh-CN" altLang="en-US" dirty="0" smtClean="0"/>
-              <a:t>次、</a:t>
-            </a:r>
-            <a:r>
-              <a:rPr lang="en-US" altLang="zh-CN" dirty="0" smtClean="0"/>
-              <a:t>1</a:t>
-            </a:r>
-            <a:r>
-              <a:rPr lang="zh-CN" altLang="en-US" dirty="0" smtClean="0"/>
-              <a:t>次、</a:t>
-            </a:r>
-            <a:r>
-              <a:rPr lang="en-US" altLang="zh-CN" dirty="0" smtClean="0"/>
-              <a:t>n</a:t>
-            </a:r>
-            <a:r>
-              <a:rPr lang="zh-CN" altLang="en-US" dirty="0" smtClean="0"/>
-              <a:t>次是否有错误</a:t>
-            </a:r>
-          </a:p>
-          <a:p>
-            <a:pPr lvl="1"/>
-            <a:r>
-              <a:rPr lang="zh-CN" altLang="en-US" dirty="0" smtClean="0"/>
-              <a:t>数据流、控制流中刚好等于、大于、小于确定的比较值是否出现错误</a:t>
-            </a:r>
-          </a:p>
-          <a:p>
-            <a:pPr lvl="1"/>
-            <a:r>
-              <a:rPr lang="zh-CN" altLang="en-US" dirty="0" smtClean="0"/>
-              <a:t>注</a:t>
-            </a:r>
-            <a:r>
-              <a:rPr lang="en-US" altLang="zh-CN" dirty="0" smtClean="0"/>
-              <a:t>:</a:t>
-            </a:r>
-            <a:r>
-              <a:rPr lang="zh-CN" altLang="en-US" dirty="0" smtClean="0">
-                <a:solidFill>
-                  <a:srgbClr val="FF0000"/>
-                </a:solidFill>
-              </a:rPr>
-              <a:t>主要针对于单元测试中的边界问题</a:t>
-            </a:r>
-          </a:p>
-          <a:p>
-            <a:endParaRPr lang="en-US" altLang="zh-CN" dirty="0"/>
-          </a:p>
-        </p:txBody>
-      </p:sp>
-    </p:spTree>
-    <p:extLst>
-      <p:ext uri="{BB962C8B-B14F-4D97-AF65-F5344CB8AC3E}">
-        <p14:creationId xmlns:p14="http://schemas.microsoft.com/office/powerpoint/2010/main" val="3349497933"/>
-      </p:ext>
-    </p:extLst>
-  </p:cSld>
-  <p:clrMapOvr>
-    <a:masterClrMapping/>
-  </p:clrMapOvr>
-  <p:transition/>
-  <p:timing>
-    <p:tnLst>
-      <p:par>
-        <p:cTn id="1" dur="indefinite" restart="never" nodeType="tmRoot"/>
-      </p:par>
-    </p:tnLst>
-  </p:timing>
-</p:sld>
-</file>
-
-<file path=ppt/slides/slide12.xml><?xml version="1.0" encoding="utf-8"?>
 <p:sld xmlns:a="http://schemas.openxmlformats.org/drawingml/2006/main" xmlns:r="http://schemas.openxmlformats.org/officeDocument/2006/relationships" xmlns:p="http://schemas.openxmlformats.org/presentationml/2006/main">
   <p:cSld>
     <p:spTree>
@@ -6218,6 +5972,206 @@
             </p:seq>
           </p:childTnLst>
         </p:cTn>
+      </p:par>
+    </p:tnLst>
+  </p:timing>
+</p:sld>
+</file>
+
+<file path=ppt/slides/slide12.xml><?xml version="1.0" encoding="utf-8"?>
+<p:sld xmlns:a="http://schemas.openxmlformats.org/drawingml/2006/main" xmlns:r="http://schemas.openxmlformats.org/officeDocument/2006/relationships" xmlns:p="http://schemas.openxmlformats.org/presentationml/2006/main">
+  <p:cSld>
+    <p:spTree>
+      <p:nvGrpSpPr>
+        <p:cNvPr id="1" name=""/>
+        <p:cNvGrpSpPr/>
+        <p:nvPr/>
+      </p:nvGrpSpPr>
+      <p:grpSpPr>
+        <a:xfrm>
+          <a:off x="0" y="0"/>
+          <a:ext cx="0" cy="0"/>
+          <a:chOff x="0" y="0"/>
+          <a:chExt cx="0" cy="0"/>
+        </a:xfrm>
+      </p:grpSpPr>
+      <p:sp>
+        <p:nvSpPr>
+          <p:cNvPr id="11267" name="Rectangle 2"/>
+          <p:cNvSpPr>
+            <a:spLocks noGrp="1" noChangeArrowheads="1"/>
+          </p:cNvSpPr>
+          <p:nvPr>
+            <p:ph type="title"/>
+          </p:nvPr>
+        </p:nvSpPr>
+        <p:spPr/>
+        <p:txBody>
+          <a:bodyPr/>
+          <a:lstStyle/>
+          <a:p>
+            <a:r>
+              <a:rPr lang="en-US" altLang="zh-CN" smtClean="0"/>
+              <a:t>7.2 </a:t>
+            </a:r>
+            <a:r>
+              <a:rPr lang="zh-CN" altLang="en-US" smtClean="0"/>
+              <a:t>单元测试的内容</a:t>
+            </a:r>
+          </a:p>
+        </p:txBody>
+      </p:sp>
+      <p:sp>
+        <p:nvSpPr>
+          <p:cNvPr id="11268" name="Rectangle 3"/>
+          <p:cNvSpPr>
+            <a:spLocks noGrp="1" noChangeArrowheads="1"/>
+          </p:cNvSpPr>
+          <p:nvPr>
+            <p:ph idx="1"/>
+          </p:nvPr>
+        </p:nvSpPr>
+        <p:spPr>
+          <a:xfrm>
+            <a:off x="623392" y="980728"/>
+            <a:ext cx="11089232" cy="4843264"/>
+          </a:xfrm>
+        </p:spPr>
+        <p:txBody>
+          <a:bodyPr/>
+          <a:lstStyle/>
+          <a:p>
+            <a:r>
+              <a:rPr lang="zh-CN" altLang="en-US" dirty="0" smtClean="0"/>
+              <a:t>模块边界条件测试：在被测模块的输入</a:t>
+            </a:r>
+            <a:r>
+              <a:rPr lang="en-US" altLang="zh-CN" dirty="0" smtClean="0"/>
+              <a:t>/</a:t>
+            </a:r>
+            <a:r>
+              <a:rPr lang="zh-CN" altLang="en-US" dirty="0" smtClean="0"/>
+              <a:t>输出域边界或其附近设计测试用例</a:t>
+            </a:r>
+            <a:endParaRPr lang="en-US" altLang="zh-CN" dirty="0" smtClean="0"/>
+          </a:p>
+          <a:p>
+            <a:pPr lvl="1"/>
+            <a:r>
+              <a:rPr lang="zh-CN" altLang="en-US" dirty="0" smtClean="0"/>
+              <a:t>可能与边界有关的数据类型如数值、字符、位置、数量、尺寸等</a:t>
+            </a:r>
+          </a:p>
+          <a:p>
+            <a:pPr lvl="1"/>
+            <a:r>
+              <a:rPr lang="zh-CN" altLang="en-US" dirty="0" smtClean="0"/>
+              <a:t>边界的首个、最后一个、最大值、最小值、最长、最短、最高、最低等特征。如：运算或判断中取最大值、最小值时是否有错误</a:t>
+            </a:r>
+          </a:p>
+          <a:p>
+            <a:pPr lvl="1"/>
+            <a:r>
+              <a:rPr lang="zh-CN" altLang="en-US" dirty="0" smtClean="0"/>
+              <a:t>在</a:t>
+            </a:r>
+            <a:r>
+              <a:rPr lang="en-US" altLang="zh-CN" dirty="0" smtClean="0"/>
+              <a:t>n</a:t>
+            </a:r>
+            <a:r>
+              <a:rPr lang="zh-CN" altLang="en-US" dirty="0" smtClean="0"/>
+              <a:t>次循环的第</a:t>
+            </a:r>
+            <a:r>
+              <a:rPr lang="en-US" altLang="zh-CN" dirty="0" smtClean="0"/>
+              <a:t>0</a:t>
+            </a:r>
+            <a:r>
+              <a:rPr lang="zh-CN" altLang="en-US" dirty="0" smtClean="0"/>
+              <a:t>次、</a:t>
+            </a:r>
+            <a:r>
+              <a:rPr lang="en-US" altLang="zh-CN" dirty="0" smtClean="0"/>
+              <a:t>1</a:t>
+            </a:r>
+            <a:r>
+              <a:rPr lang="zh-CN" altLang="en-US" dirty="0" smtClean="0"/>
+              <a:t>次、</a:t>
+            </a:r>
+            <a:r>
+              <a:rPr lang="en-US" altLang="zh-CN" dirty="0" smtClean="0"/>
+              <a:t>n</a:t>
+            </a:r>
+            <a:r>
+              <a:rPr lang="zh-CN" altLang="en-US" dirty="0" smtClean="0"/>
+              <a:t>次是否有错误</a:t>
+            </a:r>
+          </a:p>
+          <a:p>
+            <a:pPr lvl="1"/>
+            <a:r>
+              <a:rPr lang="zh-CN" altLang="en-US" dirty="0" smtClean="0"/>
+              <a:t>数据流、控制流中刚好等于、大于、小于确定的比较值是否出现错误</a:t>
+            </a:r>
+          </a:p>
+          <a:p>
+            <a:pPr marL="471487" lvl="1" indent="0">
+              <a:buNone/>
+            </a:pPr>
+            <a:r>
+              <a:rPr lang="zh-CN" altLang="en-US" dirty="0">
+                <a:solidFill>
+                  <a:srgbClr val="FF0000"/>
+                </a:solidFill>
+              </a:rPr>
+              <a:t>注</a:t>
+            </a:r>
+            <a:r>
+              <a:rPr lang="en-US" altLang="zh-CN" dirty="0">
+                <a:solidFill>
+                  <a:srgbClr val="FF0000"/>
+                </a:solidFill>
+              </a:rPr>
+              <a:t>:</a:t>
+            </a:r>
+            <a:r>
+              <a:rPr lang="zh-CN" altLang="en-US" dirty="0">
+                <a:solidFill>
+                  <a:srgbClr val="FF0000"/>
+                </a:solidFill>
+              </a:rPr>
+              <a:t>主要</a:t>
+            </a:r>
+            <a:r>
+              <a:rPr lang="zh-CN" altLang="en-US" dirty="0" smtClean="0">
+                <a:solidFill>
+                  <a:srgbClr val="FF0000"/>
+                </a:solidFill>
+              </a:rPr>
+              <a:t>针对于单元测试中的边界问题</a:t>
+            </a:r>
+          </a:p>
+          <a:p>
+            <a:endParaRPr lang="en-US" altLang="zh-CN" dirty="0"/>
+          </a:p>
+        </p:txBody>
+      </p:sp>
+    </p:spTree>
+    <p:extLst>
+      <p:ext uri="{BB962C8B-B14F-4D97-AF65-F5344CB8AC3E}">
+        <p14:creationId xmlns:p14="http://schemas.microsoft.com/office/powerpoint/2010/main" val="3349497933"/>
+      </p:ext>
+    </p:extLst>
+  </p:cSld>
+  <p:clrMapOvr>
+    <a:masterClrMapping/>
+  </p:clrMapOvr>
+  <p:transition/>
+  <p:timing>
+    <p:tnLst>
+      <p:par>
+        <p:cTn id="1" dur="indefinite" restart="never" nodeType="tmRoot"/>
       </p:par>
     </p:tnLst>
   </p:timing>
@@ -7338,33 +7292,62 @@
           <a:p>
             <a:pPr eaLnBrk="1" hangingPunct="1"/>
             <a:r>
-              <a:rPr lang="zh-CN" altLang="en-US" sz="3400" b="1" smtClean="0"/>
+              <a:rPr lang="zh-CN" altLang="en-US" sz="3400" b="1" dirty="0" smtClean="0"/>
               <a:t>具体体现</a:t>
             </a:r>
-            <a:endParaRPr lang="en-US" altLang="zh-CN" sz="3400" b="1" smtClean="0"/>
+            <a:endParaRPr lang="en-US" altLang="zh-CN" sz="3400" b="1" dirty="0" smtClean="0"/>
           </a:p>
           <a:p>
             <a:pPr lvl="1" eaLnBrk="1" hangingPunct="1"/>
             <a:r>
-              <a:rPr lang="zh-CN" altLang="en-US" b="1" smtClean="0"/>
+              <a:rPr lang="zh-CN" altLang="en-US" b="1" dirty="0" smtClean="0"/>
               <a:t>尽量结合已有的测试用例来设计测试数据</a:t>
             </a:r>
-            <a:endParaRPr lang="en-US" altLang="zh-CN" b="1" smtClean="0"/>
+            <a:endParaRPr lang="en-US" altLang="zh-CN" b="1" dirty="0" smtClean="0"/>
           </a:p>
           <a:p>
             <a:pPr lvl="1" eaLnBrk="1" hangingPunct="1"/>
             <a:r>
-              <a:rPr lang="zh-CN" altLang="en-US" b="1" smtClean="0"/>
+              <a:rPr lang="zh-CN" altLang="en-US" b="1" dirty="0" smtClean="0"/>
               <a:t>尽量使用已有测试用例的测试数据来驱动被测单元</a:t>
             </a:r>
-            <a:endParaRPr lang="en-US" altLang="zh-CN" b="1" smtClean="0"/>
+            <a:endParaRPr lang="en-US" altLang="zh-CN" b="1" dirty="0" smtClean="0"/>
           </a:p>
           <a:p>
             <a:pPr lvl="1" eaLnBrk="1" hangingPunct="1"/>
             <a:r>
-              <a:rPr lang="zh-CN" altLang="en-US" b="1" smtClean="0"/>
-              <a:t>将测试数据和测试脚本分离</a:t>
-            </a:r>
+              <a:rPr lang="zh-CN" altLang="en-US" b="1" dirty="0" smtClean="0"/>
+              <a:t>将测试数据和测试脚本</a:t>
+            </a:r>
+            <a:r>
+              <a:rPr lang="zh-CN" altLang="en-US" b="1" dirty="0" smtClean="0"/>
+              <a:t>分离（</a:t>
+            </a:r>
+            <a:r>
+              <a:rPr lang="en-US" altLang="zh-CN" b="1" dirty="0" smtClean="0"/>
+              <a:t>CSV</a:t>
+            </a:r>
+            <a:r>
+              <a:rPr lang="zh-CN" altLang="en-US" b="1" dirty="0" smtClean="0"/>
+              <a:t>、</a:t>
+            </a:r>
+            <a:r>
+              <a:rPr lang="en-US" altLang="zh-CN" b="1" dirty="0" smtClean="0"/>
+              <a:t>txt</a:t>
+            </a:r>
+            <a:r>
+              <a:rPr lang="zh-CN" altLang="en-US" b="1" dirty="0" smtClean="0"/>
+              <a:t>、</a:t>
+            </a:r>
+            <a:r>
+              <a:rPr lang="en-US" altLang="zh-CN" b="1" dirty="0" smtClean="0"/>
+              <a:t>excel</a:t>
+            </a:r>
+            <a:r>
+              <a:rPr lang="zh-CN" altLang="en-US" b="1" dirty="0" smtClean="0"/>
+              <a:t>、数据库）</a:t>
+            </a:r>
+            <a:endParaRPr lang="zh-CN" altLang="en-US" b="1" dirty="0" smtClean="0"/>
           </a:p>
         </p:txBody>
       </p:sp>
@@ -7819,11 +7802,7 @@
             <a:pPr lvl="1" eaLnBrk="1" hangingPunct="1"/>
             <a:r>
               <a:rPr lang="zh-CN" altLang="en-US" b="1" dirty="0" smtClean="0"/>
-              <a:t>通过测试日志文件记录测试过程，便于后续数据保存和</a:t>
-            </a:r>
-            <a:r>
-              <a:rPr lang="zh-CN" altLang="en-US" b="1" dirty="0" smtClean="0"/>
-              <a:t>分析</a:t>
+              <a:t>通过测试日志文件记录测试过程，便于后续数据保存和分析</a:t>
             </a:r>
             <a:r>
               <a:rPr lang="zh-CN" altLang="en-US" dirty="0" smtClean="0"/>
@@ -7922,31 +7901,31 @@
           <a:p>
             <a:pPr eaLnBrk="1" hangingPunct="1"/>
             <a:r>
-              <a:rPr lang="zh-CN" altLang="en-US" sz="3400" b="1" smtClean="0"/>
+              <a:rPr lang="zh-CN" altLang="en-US" sz="3400" b="1" dirty="0" smtClean="0"/>
               <a:t>驱动模块和桩模块的设计</a:t>
             </a:r>
-            <a:endParaRPr lang="en-US" altLang="zh-CN" sz="3400" b="1" smtClean="0"/>
+            <a:endParaRPr lang="en-US" altLang="zh-CN" sz="3400" b="1" dirty="0" smtClean="0"/>
           </a:p>
           <a:p>
             <a:pPr lvl="1" eaLnBrk="1" hangingPunct="1"/>
             <a:r>
-              <a:rPr lang="zh-CN" altLang="en-US" b="1" smtClean="0"/>
+              <a:rPr lang="zh-CN" altLang="en-US" b="1" dirty="0" smtClean="0"/>
               <a:t>设计原则</a:t>
             </a:r>
-            <a:endParaRPr lang="en-US" altLang="zh-CN" b="1" smtClean="0"/>
+            <a:endParaRPr lang="en-US" altLang="zh-CN" b="1" dirty="0" smtClean="0"/>
           </a:p>
           <a:p>
             <a:pPr lvl="1" eaLnBrk="1" hangingPunct="1"/>
             <a:r>
-              <a:rPr lang="zh-CN" altLang="en-US" b="1" smtClean="0"/>
+              <a:rPr lang="zh-CN" altLang="en-US" b="1" dirty="0" smtClean="0"/>
               <a:t>驱动模块的功能要求</a:t>
             </a:r>
-            <a:endParaRPr lang="en-US" altLang="zh-CN" b="1" smtClean="0"/>
+            <a:endParaRPr lang="en-US" altLang="zh-CN" b="1" dirty="0" smtClean="0"/>
           </a:p>
           <a:p>
             <a:pPr lvl="1" eaLnBrk="1" hangingPunct="1"/>
             <a:r>
-              <a:rPr lang="zh-CN" altLang="en-US" b="1" smtClean="0">
+              <a:rPr lang="zh-CN" altLang="en-US" b="1" dirty="0" smtClean="0">
                 <a:solidFill>
                   <a:srgbClr val="0000FF"/>
                 </a:solidFill>
@@ -8900,7 +8879,7 @@
           <a:p>
             <a:r>
               <a:rPr lang="zh-CN" altLang="en-US" dirty="0" smtClean="0"/>
-              <a:t>第二步：编写测试用例做相应测试</a:t>
+              <a:t>第二步：编写测试用例做基本功能、正向、反向、性能的测试</a:t>
             </a:r>
             <a:r>
               <a:rPr lang="en-US" altLang="zh-CN" dirty="0" smtClean="0"/>
@@ -10611,6 +10590,126 @@
           </a:extLst>
         </p:spPr>
       </p:pic>
+      <p:sp>
+        <p:nvSpPr>
+          <p:cNvPr id="5" name="椭圆 4"/>
+          <p:cNvSpPr/>
+          <p:nvPr/>
+        </p:nvSpPr>
+        <p:spPr>
+          <a:xfrm>
+            <a:off x="10344472" y="6044679"/>
+            <a:ext cx="864096" cy="504056"/>
+          </a:xfrm>
+          <a:prstGeom prst="ellipse">
+            <a:avLst/>
+          </a:prstGeom>
+          <a:noFill/>
+        </p:spPr>
+        <p:style>
+          <a:lnRef idx="2">
+            <a:schemeClr val="accent1">
+              <a:shade val="50000"/>
+            </a:schemeClr>
+          </a:lnRef>
+          <a:fillRef idx="1">
+            <a:schemeClr val="accent1"/>
+          </a:fillRef>
+          <a:effectRef idx="0">
+            <a:schemeClr val="accent1"/>
+          </a:effectRef>
+          <a:fontRef idx="minor">
+            <a:schemeClr val="lt1"/>
+          </a:fontRef>
+        </p:style>
+        <p:txBody>
+          <a:bodyPr rtlCol="0" anchor="ctr"/>
+          <a:lstStyle/>
+          <a:p>
+            <a:pPr algn="ctr"/>
+            <a:r>
+              <a:rPr lang="en-US" altLang="zh-CN" dirty="0" smtClean="0">
+                <a:solidFill>
+                  <a:schemeClr val="tx1"/>
+                </a:solidFill>
+              </a:rPr>
+              <a:t>14</a:t>
+            </a:r>
+            <a:endParaRPr lang="zh-CN" altLang="en-US" dirty="0">
+              <a:solidFill>
+                <a:schemeClr val="tx1"/>
+              </a:solidFill>
+            </a:endParaRPr>
+          </a:p>
+        </p:txBody>
+      </p:sp>
+      <p:cxnSp>
+        <p:nvCxnSpPr>
+          <p:cNvPr id="7" name="直接箭头连接符 6"/>
+          <p:cNvCxnSpPr/>
+          <p:nvPr/>
+        </p:nvCxnSpPr>
+        <p:spPr>
+          <a:xfrm flipH="1">
+            <a:off x="10992544" y="4509120"/>
+            <a:ext cx="288032" cy="1482012"/>
+          </a:xfrm>
+          <a:prstGeom prst="straightConnector1">
+            <a:avLst/>
+          </a:prstGeom>
+          <a:ln>
+            <a:tailEnd type="arrow"/>
+          </a:ln>
+        </p:spPr>
+        <p:style>
+          <a:lnRef idx="1">
+            <a:schemeClr val="accent1"/>
+          </a:lnRef>
+          <a:fillRef idx="0">
+            <a:schemeClr val="accent1"/>
+          </a:fillRef>
+          <a:effectRef idx="0">
+            <a:schemeClr val="accent1"/>
+          </a:effectRef>
+          <a:fontRef idx="minor">
+            <a:schemeClr val="tx1"/>
+          </a:fontRef>
+        </p:style>
+      </p:cxnSp>
+      <p:cxnSp>
+        <p:nvCxnSpPr>
+          <p:cNvPr id="9" name="直接箭头连接符 8"/>
+          <p:cNvCxnSpPr/>
+          <p:nvPr/>
+        </p:nvCxnSpPr>
+        <p:spPr>
+          <a:xfrm flipH="1" flipV="1">
+            <a:off x="8976320" y="5805265"/>
+            <a:ext cx="1368152" cy="371734"/>
+          </a:xfrm>
+          <a:prstGeom prst="straightConnector1">
+            <a:avLst/>
+          </a:prstGeom>
+          <a:ln>
+            <a:headEnd type="arrow"/>
+            <a:tailEnd type="arrow"/>
+          </a:ln>
+        </p:spPr>
+        <p:style>
+          <a:lnRef idx="1">
+            <a:schemeClr val="accent1"/>
+          </a:lnRef>
+          <a:fillRef idx="0">
+            <a:schemeClr val="accent1"/>
+          </a:fillRef>
+          <a:effectRef idx="0">
+            <a:schemeClr val="accent1"/>
+          </a:effectRef>
+          <a:fontRef idx="minor">
+            <a:schemeClr val="tx1"/>
+          </a:fontRef>
+        </p:style>
+      </p:cxnSp>
     </p:spTree>
     <p:extLst>
       <p:ext uri="{BB962C8B-B14F-4D97-AF65-F5344CB8AC3E}">
@@ -10884,140 +10983,6 @@
       </p:grpSpPr>
       <p:sp>
         <p:nvSpPr>
-          <p:cNvPr id="2" name="内容占位符 1"/>
-          <p:cNvSpPr>
-            <a:spLocks noGrp="1"/>
-          </p:cNvSpPr>
-          <p:nvPr>
-            <p:ph idx="1"/>
-          </p:nvPr>
-        </p:nvSpPr>
-        <p:spPr>
-          <a:xfrm>
-            <a:off x="2927648" y="1052736"/>
-            <a:ext cx="10221383" cy="4641850"/>
-          </a:xfrm>
-        </p:spPr>
-        <p:txBody>
-          <a:bodyPr/>
-          <a:lstStyle/>
-          <a:p>
-            <a:pPr>
-              <a:lnSpc>
-                <a:spcPct val="150000"/>
-              </a:lnSpc>
-            </a:pPr>
-            <a:r>
-              <a:rPr lang="zh-CN" altLang="en-US" dirty="0" smtClean="0"/>
-              <a:t>单元测试的基本概念</a:t>
-            </a:r>
-            <a:endParaRPr lang="en-US" altLang="zh-CN" dirty="0" smtClean="0"/>
-          </a:p>
-          <a:p>
-            <a:pPr>
-              <a:lnSpc>
-                <a:spcPct val="150000"/>
-              </a:lnSpc>
-            </a:pPr>
-            <a:r>
-              <a:rPr lang="zh-CN" altLang="en-US" dirty="0" smtClean="0"/>
-              <a:t>单元测试的主要内容</a:t>
-            </a:r>
-            <a:endParaRPr lang="en-US" altLang="zh-CN" dirty="0" smtClean="0"/>
-          </a:p>
-          <a:p>
-            <a:pPr>
-              <a:lnSpc>
-                <a:spcPct val="150000"/>
-              </a:lnSpc>
-            </a:pPr>
-            <a:r>
-              <a:rPr lang="zh-CN" altLang="en-US" dirty="0" smtClean="0">
-                <a:solidFill>
-                  <a:srgbClr val="FF0000"/>
-                </a:solidFill>
-              </a:rPr>
-              <a:t>单元测试的总结</a:t>
-            </a:r>
-            <a:endParaRPr lang="en-US" altLang="zh-CN" dirty="0" smtClean="0">
-              <a:solidFill>
-                <a:srgbClr val="FF0000"/>
-              </a:solidFill>
-            </a:endParaRPr>
-          </a:p>
-          <a:p>
-            <a:pPr>
-              <a:lnSpc>
-                <a:spcPct val="150000"/>
-              </a:lnSpc>
-            </a:pPr>
-            <a:endParaRPr lang="zh-CN" altLang="en-US" dirty="0"/>
-          </a:p>
-        </p:txBody>
-      </p:sp>
-      <p:sp>
-        <p:nvSpPr>
-          <p:cNvPr id="3" name="标题 2"/>
-          <p:cNvSpPr>
-            <a:spLocks noGrp="1"/>
-          </p:cNvSpPr>
-          <p:nvPr>
-            <p:ph type="title" idx="4294967295"/>
-          </p:nvPr>
-        </p:nvSpPr>
-        <p:spPr/>
-        <p:txBody>
-          <a:bodyPr/>
-          <a:lstStyle/>
-          <a:p>
-            <a:pPr algn="ctr"/>
-            <a:r>
-              <a:rPr lang="zh-CN" altLang="en-US" dirty="0" smtClean="0"/>
-              <a:t>目   录</a:t>
-            </a:r>
-            <a:endParaRPr lang="zh-CN" altLang="en-US" dirty="0"/>
-          </a:p>
-        </p:txBody>
-      </p:sp>
-    </p:spTree>
-    <p:extLst>
-      <p:ext uri="{BB962C8B-B14F-4D97-AF65-F5344CB8AC3E}">
-        <p14:creationId xmlns:p14="http://schemas.microsoft.com/office/powerpoint/2010/main" val="1120093815"/>
-      </p:ext>
-    </p:extLst>
-  </p:cSld>
-  <p:clrMapOvr>
-    <a:masterClrMapping/>
-  </p:clrMapOvr>
-  <p:timing>
-    <p:tnLst>
-      <p:par>
-        <p:cTn id="1" dur="indefinite" restart="never" nodeType="tmRoot"/>
-      </p:par>
-    </p:tnLst>
-  </p:timing>
-</p:sld>
-</file>
-
-<file path=ppt/slides/slide33.xml><?xml version="1.0" encoding="utf-8"?>
-<p:sld xmlns:a="http://schemas.openxmlformats.org/drawingml/2006/main" xmlns:r="http://schemas.openxmlformats.org/officeDocument/2006/relationships" xmlns:p="http://schemas.openxmlformats.org/presentationml/2006/main">
-  <p:cSld>
-    <p:spTree>
-      <p:nvGrpSpPr>
-        <p:cNvPr id="1" name=""/>
-        <p:cNvGrpSpPr/>
-        <p:nvPr/>
-      </p:nvGrpSpPr>
-      <p:grpSpPr>
-        <a:xfrm>
-          <a:off x="0" y="0"/>
-          <a:ext cx="0" cy="0"/>
-          <a:chOff x="0" y="0"/>
-          <a:chExt cx="0" cy="0"/>
-        </a:xfrm>
-      </p:grpSpPr>
-      <p:sp>
-        <p:nvSpPr>
           <p:cNvPr id="3" name="标题 2"/>
           <p:cNvSpPr>
             <a:spLocks noGrp="1"/>
@@ -11055,30 +11020,39 @@
           <a:lstStyle/>
           <a:p>
             <a:r>
-              <a:rPr lang="zh-CN" altLang="en-US" dirty="0" smtClean="0"/>
-              <a:t>分析被测单元</a:t>
-            </a:r>
-            <a:endParaRPr lang="en-US" altLang="zh-CN" dirty="0" smtClean="0"/>
-          </a:p>
-          <a:p>
-            <a:r>
-              <a:rPr lang="zh-CN" altLang="en-US" dirty="0" smtClean="0"/>
-              <a:t>分析被测单元中包含的逻辑关系</a:t>
-            </a:r>
-            <a:endParaRPr lang="en-US" altLang="zh-CN" dirty="0" smtClean="0"/>
-          </a:p>
-          <a:p>
-            <a:r>
-              <a:rPr lang="zh-CN" altLang="en-US" dirty="0" smtClean="0"/>
-              <a:t>使用静态检查和动态检查的方法（可以借助工具）</a:t>
-            </a:r>
-            <a:endParaRPr lang="en-US" altLang="zh-CN" dirty="0" smtClean="0"/>
-          </a:p>
-          <a:p>
-            <a:r>
-              <a:rPr lang="zh-CN" altLang="en-US" dirty="0" smtClean="0"/>
-              <a:t>被测单元功能检查等等</a:t>
-            </a:r>
+              <a:rPr lang="zh-CN" altLang="en-US" dirty="0">
+                <a:solidFill>
+                  <a:srgbClr val="FF0000"/>
+                </a:solidFill>
+              </a:rPr>
+              <a:t>单元测试的基本概念</a:t>
+            </a:r>
+            <a:endParaRPr lang="en-US" altLang="zh-CN" dirty="0">
+              <a:solidFill>
+                <a:srgbClr val="FF0000"/>
+              </a:solidFill>
+            </a:endParaRPr>
+          </a:p>
+          <a:p>
+            <a:r>
+              <a:rPr lang="zh-CN" altLang="en-US" dirty="0"/>
+              <a:t>单元测试的主要内容</a:t>
+            </a:r>
+            <a:endParaRPr lang="en-US" altLang="zh-CN" dirty="0"/>
+          </a:p>
+          <a:p>
+            <a:r>
+              <a:rPr lang="zh-CN" altLang="en-US" dirty="0"/>
+              <a:t>驱动和桩模块的设计</a:t>
+            </a:r>
+            <a:endParaRPr lang="en-US" altLang="zh-CN" dirty="0"/>
+          </a:p>
+          <a:p>
+            <a:r>
+              <a:rPr lang="zh-CN" altLang="en-US" dirty="0"/>
+              <a:t>单元测试实例</a:t>
+            </a:r>
+            <a:endParaRPr lang="en-US" altLang="zh-CN" dirty="0"/>
           </a:p>
           <a:p>
             <a:endParaRPr lang="zh-CN" altLang="en-US" dirty="0"/>
@@ -11108,122 +11082,7 @@
 </p:sld>
 </file>
 
-<file path=ppt/slides/slide34.xml><?xml version="1.0" encoding="utf-8"?>
-<p:sld xmlns:a="http://schemas.openxmlformats.org/drawingml/2006/main" xmlns:r="http://schemas.openxmlformats.org/officeDocument/2006/relationships" xmlns:p="http://schemas.openxmlformats.org/presentationml/2006/main">
-  <p:cSld>
-    <p:spTree>
-      <p:nvGrpSpPr>
-        <p:cNvPr id="1" name=""/>
-        <p:cNvGrpSpPr/>
-        <p:nvPr/>
-      </p:nvGrpSpPr>
-      <p:grpSpPr>
-        <a:xfrm>
-          <a:off x="0" y="0"/>
-          <a:ext cx="0" cy="0"/>
-          <a:chOff x="0" y="0"/>
-          <a:chExt cx="0" cy="0"/>
-        </a:xfrm>
-      </p:grpSpPr>
-      <p:sp>
-        <p:nvSpPr>
-          <p:cNvPr id="3" name="标题 2"/>
-          <p:cNvSpPr>
-            <a:spLocks noGrp="1"/>
-          </p:cNvSpPr>
-          <p:nvPr>
-            <p:ph type="title"/>
-          </p:nvPr>
-        </p:nvSpPr>
-        <p:spPr/>
-        <p:txBody>
-          <a:bodyPr/>
-          <a:lstStyle/>
-          <a:p>
-            <a:r>
-              <a:rPr lang="zh-CN" altLang="en-US" dirty="0" smtClean="0"/>
-              <a:t>内容总结</a:t>
-            </a:r>
-            <a:endParaRPr lang="zh-CN" altLang="en-US" dirty="0"/>
-          </a:p>
-        </p:txBody>
-      </p:sp>
-      <p:sp>
-        <p:nvSpPr>
-          <p:cNvPr id="2" name="内容占位符 1"/>
-          <p:cNvSpPr>
-            <a:spLocks noGrp="1"/>
-          </p:cNvSpPr>
-          <p:nvPr>
-            <p:ph idx="1"/>
-          </p:nvPr>
-        </p:nvSpPr>
-        <p:spPr/>
-        <p:txBody>
-          <a:bodyPr/>
-          <a:lstStyle/>
-          <a:p>
-            <a:r>
-              <a:rPr lang="zh-CN" altLang="en-US" dirty="0" smtClean="0"/>
-              <a:t>单元测试概念</a:t>
-            </a:r>
-            <a:endParaRPr lang="en-US" altLang="zh-CN" dirty="0" smtClean="0"/>
-          </a:p>
-          <a:p>
-            <a:r>
-              <a:rPr lang="zh-CN" altLang="en-US" dirty="0" smtClean="0"/>
-              <a:t>单元测试内容</a:t>
-            </a:r>
-            <a:r>
-              <a:rPr lang="en-US" altLang="zh-CN" dirty="0" smtClean="0"/>
-              <a:t>:</a:t>
-            </a:r>
-            <a:r>
-              <a:rPr lang="zh-CN" altLang="en-US" dirty="0" smtClean="0"/>
-              <a:t>静态和动态</a:t>
-            </a:r>
-            <a:endParaRPr lang="en-US" altLang="zh-CN" dirty="0" smtClean="0"/>
-          </a:p>
-          <a:p>
-            <a:r>
-              <a:rPr lang="zh-CN" altLang="en-US" dirty="0" smtClean="0"/>
-              <a:t>单元测试步骤：先静后动</a:t>
-            </a:r>
-            <a:endParaRPr lang="en-US" altLang="zh-CN" dirty="0" smtClean="0"/>
-          </a:p>
-          <a:p>
-            <a:r>
-              <a:rPr lang="zh-CN" altLang="en-US" dirty="0" smtClean="0"/>
-              <a:t>单元测试工具</a:t>
-            </a:r>
-            <a:endParaRPr lang="zh-CN" altLang="en-US" dirty="0"/>
-          </a:p>
-        </p:txBody>
-      </p:sp>
-    </p:spTree>
-    <p:extLst>
-      <p:ext uri="{BB962C8B-B14F-4D97-AF65-F5344CB8AC3E}">
-        <p14:creationId xmlns:p14="http://schemas.microsoft.com/office/powerpoint/2010/main" val="140597152"/>
-      </p:ext>
-    </p:extLst>
-  </p:cSld>
-  <p:clrMapOvr>
-    <a:masterClrMapping/>
-  </p:clrMapOvr>
-  <p:transition>
-    <p:blinds dir="vert"/>
-  </p:transition>
-  <p:timing>
-    <p:tnLst>
-      <p:par>
-        <p:cTn id="1" dur="indefinite" restart="never" nodeType="tmRoot"/>
-      </p:par>
-    </p:tnLst>
-  </p:timing>
-</p:sld>
-</file>
-
-<file path=ppt/slides/slide35.xml><?xml version="1.0" encoding="utf-8"?>
+<file path=ppt/slides/slide33.xml><?xml version="1.0" encoding="utf-8"?>
 <p:sld xmlns:a="http://schemas.openxmlformats.org/drawingml/2006/main" xmlns:r="http://schemas.openxmlformats.org/officeDocument/2006/relationships" xmlns:p="http://schemas.openxmlformats.org/presentationml/2006/main">
   <p:cSld>
     <p:spTree>
@@ -14586,36 +14445,61 @@
           <a:p>
             <a:r>
               <a:rPr lang="zh-CN" altLang="en-US" dirty="0" smtClean="0"/>
-              <a:t>模块接口测试：考虑数据能否正确地输入和输出</a:t>
-            </a:r>
+              <a:t>局部数据测试：保证临时存储在模块内的代码执行过程是完整和正确的</a:t>
+            </a:r>
+            <a:endParaRPr lang="en-US" altLang="zh-CN" dirty="0" smtClean="0"/>
           </a:p>
           <a:p>
             <a:pPr lvl="1"/>
             <a:r>
               <a:rPr lang="zh-CN" altLang="en-US" dirty="0" smtClean="0"/>
-              <a:t>输入的实参与形参在个数、属性和顺序上是否匹配</a:t>
-            </a:r>
+              <a:t>不正确的数据类型说明</a:t>
+            </a:r>
+            <a:endParaRPr lang="en-US" altLang="zh-CN" dirty="0" smtClean="0"/>
           </a:p>
           <a:p>
             <a:pPr lvl="1"/>
             <a:r>
               <a:rPr lang="zh-CN" altLang="en-US" dirty="0" smtClean="0"/>
-              <a:t>被测模块调用其他模块时，传递的实参在个数、属性和顺序上与被调用模块的形参是否匹配</a:t>
-            </a:r>
+              <a:t>使用尚未赋值或未初始化的变量</a:t>
+            </a:r>
+            <a:endParaRPr lang="en-US" altLang="zh-CN" dirty="0" smtClean="0"/>
           </a:p>
           <a:p>
             <a:pPr lvl="1"/>
             <a:r>
               <a:rPr lang="zh-CN" altLang="en-US" dirty="0" smtClean="0"/>
-              <a:t>是否修改了只作输入用的只读形参</a:t>
-            </a:r>
+              <a:t>错误的赋值或初始化</a:t>
+            </a:r>
+            <a:endParaRPr lang="en-US" altLang="zh-CN" dirty="0" smtClean="0"/>
           </a:p>
           <a:p>
             <a:pPr lvl="1"/>
             <a:r>
               <a:rPr lang="zh-CN" altLang="en-US" dirty="0" smtClean="0"/>
-              <a:t>全局变量在各模块中的定义是否一致</a:t>
-            </a:r>
+              <a:t>数组越界</a:t>
+            </a:r>
+            <a:endParaRPr lang="en-US" altLang="zh-CN" dirty="0" smtClean="0"/>
+          </a:p>
+          <a:p>
+            <a:pPr lvl="1"/>
+            <a:r>
+              <a:rPr lang="zh-CN" altLang="en-US" dirty="0" smtClean="0"/>
+              <a:t>非法指针</a:t>
+            </a:r>
+            <a:endParaRPr lang="en-US" altLang="zh-CN" dirty="0" smtClean="0"/>
+          </a:p>
+          <a:p>
+            <a:pPr lvl="1"/>
+            <a:r>
+              <a:rPr lang="zh-CN" altLang="en-US" dirty="0"/>
+              <a:t>不</a:t>
+            </a:r>
+            <a:r>
+              <a:rPr lang="zh-CN" altLang="en-US" dirty="0" smtClean="0"/>
+              <a:t>一致的数据类型</a:t>
+            </a:r>
+            <a:endParaRPr lang="en-US" altLang="zh-CN" dirty="0" smtClean="0"/>
           </a:p>
         </p:txBody>
       </p:sp>
@@ -15155,6 +15039,212 @@
                       </p:childTnLst>
                     </p:cTn>
                   </p:par>
+                  <p:par>
+                    <p:cTn id="33" fill="hold">
+                      <p:stCondLst>
+                        <p:cond delay="indefinite"/>
+                      </p:stCondLst>
+                      <p:childTnLst>
+                        <p:par>
+                          <p:cTn id="34" fill="hold">
+                            <p:stCondLst>
+                              <p:cond delay="0"/>
+                            </p:stCondLst>
+                            <p:childTnLst>
+                              <p:par>
+                                <p:cTn id="35" presetID="2" presetClass="entr" presetSubtype="4" fill="hold" nodeType="clickEffect">
+                                  <p:stCondLst>
+                                    <p:cond delay="0"/>
+                                  </p:stCondLst>
+                                  <p:childTnLst>
+                                    <p:set>
+                                      <p:cBhvr>
+                                        <p:cTn id="36" dur="1" fill="hold">
+                                          <p:stCondLst>
+                                            <p:cond delay="0"/>
+                                          </p:stCondLst>
+                                        </p:cTn>
+                                        <p:tgtEl>
+                                          <p:spTgt spid="2">
+                                            <p:txEl>
+                                              <p:pRg st="5" end="5"/>
+                                            </p:txEl>
+                                          </p:spTgt>
+                                        </p:tgtEl>
+                                        <p:attrNameLst>
+                                          <p:attrName>style.visibility</p:attrName>
+                                        </p:attrNameLst>
+                                      </p:cBhvr>
+                                      <p:to>
+                                        <p:strVal val="visible"/>
+                                      </p:to>
+                                    </p:set>
+                                    <p:anim calcmode="lin" valueType="num">
+                                      <p:cBhvr additive="base">
+                                        <p:cTn id="37" dur="500" fill="hold"/>
+                                        <p:tgtEl>
+                                          <p:spTgt spid="2">
+                                            <p:txEl>
+                                              <p:pRg st="5" end="5"/>
+                                            </p:txEl>
+                                          </p:spTgt>
+                                        </p:tgtEl>
+                                        <p:attrNameLst>
+                                          <p:attrName>ppt_x</p:attrName>
+                                        </p:attrNameLst>
+                                      </p:cBhvr>
+                                      <p:tavLst>
+                                        <p:tav tm="0">
+                                          <p:val>
+                                            <p:strVal val="#ppt_x"/>
+                                          </p:val>
+                                        </p:tav>
+                                        <p:tav tm="100000">
+                                          <p:val>
+                                            <p:strVal val="#ppt_x"/>
+                                          </p:val>
+                                        </p:tav>
+                                      </p:tavLst>
+                                    </p:anim>
+                                    <p:anim calcmode="lin" valueType="num">
+                                      <p:cBhvr additive="base">
+                                        <p:cTn id="38" dur="500" fill="hold"/>
+                                        <p:tgtEl>
+                                          <p:spTgt spid="2">
+                                            <p:txEl>
+                                              <p:pRg st="5" end="5"/>
+                                            </p:txEl>
+                                          </p:spTgt>
+                                        </p:tgtEl>
+                                        <p:attrNameLst>
+                                          <p:attrName>ppt_y</p:attrName>
+                                        </p:attrNameLst>
+                                      </p:cBhvr>
+                                      <p:tavLst>
+                                        <p:tav tm="0">
+                                          <p:val>
+                                            <p:strVal val="1+#ppt_h/2"/>
+                                          </p:val>
+                                        </p:tav>
+                                        <p:tav tm="100000">
+                                          <p:val>
+                                            <p:strVal val="#ppt_y"/>
+                                          </p:val>
+                                        </p:tav>
+                                      </p:tavLst>
+                                    </p:anim>
+                                  </p:childTnLst>
+                                </p:cTn>
+                              </p:par>
+                            </p:childTnLst>
+                          </p:cTn>
+                        </p:par>
+                      </p:childTnLst>
+                    </p:cTn>
+                  </p:par>
+                  <p:par>
+                    <p:cTn id="39" fill="hold">
+                      <p:stCondLst>
+                        <p:cond delay="indefinite"/>
+                      </p:stCondLst>
+                      <p:childTnLst>
+                        <p:par>
+                          <p:cTn id="40" fill="hold">
+                            <p:stCondLst>
+                              <p:cond delay="0"/>
+                            </p:stCondLst>
+                            <p:childTnLst>
+                              <p:par>
+                                <p:cTn id="41" presetID="2" presetClass="entr" presetSubtype="4" fill="hold" nodeType="clickEffect">
+                                  <p:stCondLst>
+                                    <p:cond delay="0"/>
+                                  </p:stCondLst>
+                                  <p:childTnLst>
+                                    <p:set>
+                                      <p:cBhvr>
+                                        <p:cTn id="42" dur="1" fill="hold">
+                                          <p:stCondLst>
+                                            <p:cond delay="0"/>
+                                          </p:stCondLst>
+                                        </p:cTn>
+                                        <p:tgtEl>
+                                          <p:spTgt spid="2">
+                                            <p:txEl>
+                                              <p:pRg st="6" end="6"/>
+                                            </p:txEl>
+                                          </p:spTgt>
+                                        </p:tgtEl>
+                                        <p:attrNameLst>
+                                          <p:attrName>style.visibility</p:attrName>
+                                        </p:attrNameLst>
+                                      </p:cBhvr>
+                                      <p:to>
+                                        <p:strVal val="visible"/>
+                                      </p:to>
+                                    </p:set>
+                                    <p:anim calcmode="lin" valueType="num">
+                                      <p:cBhvr additive="base">
+                                        <p:cTn id="43" dur="500" fill="hold"/>
+                                        <p:tgtEl>
+                                          <p:spTgt spid="2">
+                                            <p:txEl>
+                                              <p:pRg st="6" end="6"/>
+                                            </p:txEl>
+                                          </p:spTgt>
+                                        </p:tgtEl>
+                                        <p:attrNameLst>
+                                          <p:attrName>ppt_x</p:attrName>
+                                        </p:attrNameLst>
+                                      </p:cBhvr>
+                                      <p:tavLst>
+                                        <p:tav tm="0">
+                                          <p:val>
+                                            <p:strVal val="#ppt_x"/>
+                                          </p:val>
+                                        </p:tav>
+                                        <p:tav tm="100000">
+                                          <p:val>
+                                            <p:strVal val="#ppt_x"/>
+                                          </p:val>
+                                        </p:tav>
+                                      </p:tavLst>
+                                    </p:anim>
+                                    <p:anim calcmode="lin" valueType="num">
+                                      <p:cBhvr additive="base">
+                                        <p:cTn id="44" dur="500" fill="hold"/>
+                                        <p:tgtEl>
+                                          <p:spTgt spid="2">
+                                            <p:txEl>
+                                              <p:pRg st="6" end="6"/>
+                                            </p:txEl>
+                                          </p:spTgt>
+                                        </p:tgtEl>
+                                        <p:attrNameLst>
+                                          <p:attrName>ppt_y</p:attrName>
+                                        </p:attrNameLst>
+                                      </p:cBhvr>
+                                      <p:tavLst>
+                                        <p:tav tm="0">
+                                          <p:val>
+                                            <p:strVal val="1+#ppt_h/2"/>
+                                          </p:val>
+                                        </p:tav>
+                                        <p:tav tm="100000">
+                                          <p:val>
+                                            <p:strVal val="#ppt_y"/>
+                                          </p:val>
+                                        </p:tav>
+                                      </p:tavLst>
+                                    </p:anim>
+                                  </p:childTnLst>
+                                </p:cTn>
+                              </p:par>
+                            </p:childTnLst>
+                          </p:cTn>
+                        </p:par>
+                      </p:childTnLst>
+                    </p:cTn>
+                  </p:par>
                 </p:childTnLst>
               </p:cTn>
               <p:prevCondLst>
@@ -15230,46 +15320,90 @@
             <p:ph idx="1"/>
           </p:nvPr>
         </p:nvSpPr>
-        <p:spPr/>
+        <p:spPr>
+          <a:xfrm>
+            <a:off x="623392" y="1106016"/>
+            <a:ext cx="10873208" cy="4843264"/>
+          </a:xfrm>
+        </p:spPr>
         <p:txBody>
           <a:bodyPr/>
           <a:lstStyle/>
           <a:p>
             <a:r>
               <a:rPr lang="zh-CN" altLang="en-US" dirty="0" smtClean="0"/>
-              <a:t>模块边界条件测试：在被测模块的输入</a:t>
-            </a:r>
-            <a:r>
-              <a:rPr lang="en-US" altLang="zh-CN" dirty="0" smtClean="0"/>
-              <a:t>/</a:t>
-            </a:r>
+              <a:t>模块接口测试：考虑数据能否正确地输入和输出</a:t>
+            </a:r>
+          </a:p>
+          <a:p>
+            <a:pPr lvl="1"/>
             <a:r>
               <a:rPr lang="zh-CN" altLang="en-US" dirty="0" smtClean="0"/>
-              <a:t>输出域边界或其附近设计测试用例</a:t>
+              <a:t>输入的实参与形参在个数、属性和顺序上是否匹配</a:t>
+            </a:r>
+          </a:p>
+          <a:p>
+            <a:pPr lvl="1"/>
+            <a:r>
+              <a:rPr lang="zh-CN" altLang="en-US" dirty="0" smtClean="0"/>
+              <a:t>被测模块调用其他模块时，传递的实参在个数、属性和顺序上与被调用模块的形参是否匹配</a:t>
+            </a:r>
+          </a:p>
+          <a:p>
+            <a:pPr lvl="1"/>
+            <a:r>
+              <a:rPr lang="zh-CN" altLang="en-US" dirty="0" smtClean="0"/>
+              <a:t>引用内部函数时，实参的次序</a:t>
+            </a:r>
+            <a:r>
+              <a:rPr lang="zh-CN" altLang="en-US" dirty="0" smtClean="0"/>
+              <a:t>和</a:t>
+            </a:r>
+            <a:r>
+              <a:rPr lang="zh-CN" altLang="en-US" dirty="0"/>
+              <a:t>类型</a:t>
+            </a:r>
+            <a:r>
+              <a:rPr lang="zh-CN" altLang="en-US" dirty="0" smtClean="0"/>
+              <a:t>是否</a:t>
+            </a:r>
+            <a:r>
+              <a:rPr lang="zh-CN" altLang="en-US" dirty="0" smtClean="0"/>
+              <a:t>正确</a:t>
             </a:r>
             <a:endParaRPr lang="en-US" altLang="zh-CN" dirty="0" smtClean="0"/>
           </a:p>
           <a:p>
             <a:pPr lvl="1"/>
             <a:r>
-              <a:rPr lang="zh-CN" altLang="en-US" dirty="0"/>
-              <a:t>可能与边界有关的数据类型如数值、字符、位置、数量、尺寸</a:t>
-            </a:r>
-            <a:r>
               <a:rPr lang="zh-CN" altLang="en-US" dirty="0" smtClean="0"/>
-              <a:t>等</a:t>
+              <a:t>全局变量在各模块中的定义是否一致</a:t>
             </a:r>
             <a:endParaRPr lang="en-US" altLang="zh-CN" dirty="0" smtClean="0"/>
           </a:p>
           <a:p>
-            <a:endParaRPr lang="zh-CN" altLang="en-US" dirty="0"/>
+            <a:pPr marL="471487" lvl="1" indent="0">
+              <a:buNone/>
+            </a:pPr>
+            <a:r>
+              <a:rPr lang="zh-CN" altLang="en-US" sz="2800" dirty="0">
+                <a:solidFill>
+                  <a:srgbClr val="FF0000"/>
+                </a:solidFill>
+              </a:rPr>
+              <a:t>注：主要关注单元中的输入和输出。</a:t>
+            </a:r>
+          </a:p>
+          <a:p>
+            <a:pPr lvl="1"/>
+            <a:endParaRPr lang="zh-CN" altLang="en-US" dirty="0" smtClean="0"/>
           </a:p>
         </p:txBody>
       </p:sp>
     </p:spTree>
     <p:extLst>
       <p:ext uri="{BB962C8B-B14F-4D97-AF65-F5344CB8AC3E}">
-        <p14:creationId xmlns:p14="http://schemas.microsoft.com/office/powerpoint/2010/main" val="219233842"/>
+        <p14:creationId xmlns:p14="http://schemas.microsoft.com/office/powerpoint/2010/main" val="3171159232"/>
       </p:ext>
     </p:extLst>
   </p:cSld>
@@ -15282,7 +15416,648 @@
   <p:timing>
     <p:tnLst>
       <p:par>
-        <p:cTn id="1" dur="indefinite" restart="never" nodeType="tmRoot"/>
+        <p:cTn id="1" dur="indefinite" restart="never" nodeType="tmRoot">
+          <p:childTnLst>
+            <p:seq concurrent="1" nextAc="seek">
+              <p:cTn id="2" dur="indefinite" nodeType="mainSeq">
+                <p:childTnLst>
+                  <p:par>
+                    <p:cTn id="3" fill="hold">
+                      <p:stCondLst>
+                        <p:cond delay="indefinite"/>
+                      </p:stCondLst>
+                      <p:childTnLst>
+                        <p:par>
+                          <p:cTn id="4" fill="hold">
+                            <p:stCondLst>
+                              <p:cond delay="0"/>
+                            </p:stCondLst>
+                            <p:childTnLst>
+                              <p:par>
+                                <p:cTn id="5" presetID="2" presetClass="entr" presetSubtype="4" fill="hold" nodeType="clickEffect">
+                                  <p:stCondLst>
+                                    <p:cond delay="0"/>
+                                  </p:stCondLst>
+                                  <p:childTnLst>
+                                    <p:set>
+                                      <p:cBhvr>
+                                        <p:cTn id="6" dur="1" fill="hold">
+                                          <p:stCondLst>
+                                            <p:cond delay="0"/>
+                                          </p:stCondLst>
+                                        </p:cTn>
+                                        <p:tgtEl>
+                                          <p:spTgt spid="2">
+                                            <p:txEl>
+                                              <p:pRg st="0" end="0"/>
+                                            </p:txEl>
+                                          </p:spTgt>
+                                        </p:tgtEl>
+                                        <p:attrNameLst>
+                                          <p:attrName>style.visibility</p:attrName>
+                                        </p:attrNameLst>
+                                      </p:cBhvr>
+                                      <p:to>
+                                        <p:strVal val="visible"/>
+                                      </p:to>
+                                    </p:set>
+                                    <p:anim calcmode="lin" valueType="num">
+                                      <p:cBhvr additive="base">
+                                        <p:cTn id="7" dur="500" fill="hold"/>
+                                        <p:tgtEl>
+                                          <p:spTgt spid="2">
+                                            <p:txEl>
+                                              <p:pRg st="0" end="0"/>
+                                            </p:txEl>
+                                          </p:spTgt>
+                                        </p:tgtEl>
+                                        <p:attrNameLst>
+                                          <p:attrName>ppt_x</p:attrName>
+                                        </p:attrNameLst>
+                                      </p:cBhvr>
+                                      <p:tavLst>
+                                        <p:tav tm="0">
+                                          <p:val>
+                                            <p:strVal val="#ppt_x"/>
+                                          </p:val>
+                                        </p:tav>
+                                        <p:tav tm="100000">
+                                          <p:val>
+                                            <p:strVal val="#ppt_x"/>
+                                          </p:val>
+                                        </p:tav>
+                                      </p:tavLst>
+                                    </p:anim>
+                                    <p:anim calcmode="lin" valueType="num">
+                                      <p:cBhvr additive="base">
+                                        <p:cTn id="8" dur="500" fill="hold"/>
+                                        <p:tgtEl>
+                                          <p:spTgt spid="2">
+                                            <p:txEl>
+                                              <p:pRg st="0" end="0"/>
+                                            </p:txEl>
+                                          </p:spTgt>
+                                        </p:tgtEl>
+                                        <p:attrNameLst>
+                                          <p:attrName>ppt_y</p:attrName>
+                                        </p:attrNameLst>
+                                      </p:cBhvr>
+                                      <p:tavLst>
+                                        <p:tav tm="0">
+                                          <p:val>
+                                            <p:strVal val="1+#ppt_h/2"/>
+                                          </p:val>
+                                        </p:tav>
+                                        <p:tav tm="100000">
+                                          <p:val>
+                                            <p:strVal val="#ppt_y"/>
+                                          </p:val>
+                                        </p:tav>
+                                      </p:tavLst>
+                                    </p:anim>
+                                  </p:childTnLst>
+                                </p:cTn>
+                              </p:par>
+                            </p:childTnLst>
+                          </p:cTn>
+                        </p:par>
+                      </p:childTnLst>
+                    </p:cTn>
+                  </p:par>
+                  <p:par>
+                    <p:cTn id="9" fill="hold">
+                      <p:stCondLst>
+                        <p:cond delay="indefinite"/>
+                      </p:stCondLst>
+                      <p:childTnLst>
+                        <p:par>
+                          <p:cTn id="10" fill="hold">
+                            <p:stCondLst>
+                              <p:cond delay="0"/>
+                            </p:stCondLst>
+                            <p:childTnLst>
+                              <p:par>
+                                <p:cTn id="11" presetID="2" presetClass="entr" presetSubtype="4" fill="hold" nodeType="clickEffect">
+                                  <p:stCondLst>
+                                    <p:cond delay="0"/>
+                                  </p:stCondLst>
+                                  <p:childTnLst>
+                                    <p:set>
+                                      <p:cBhvr>
+                                        <p:cTn id="12" dur="1" fill="hold">
+                                          <p:stCondLst>
+                                            <p:cond delay="0"/>
+                                          </p:stCondLst>
+                                        </p:cTn>
+                                        <p:tgtEl>
+                                          <p:spTgt spid="2">
+                                            <p:txEl>
+                                              <p:pRg st="1" end="1"/>
+                                            </p:txEl>
+                                          </p:spTgt>
+                                        </p:tgtEl>
+                                        <p:attrNameLst>
+                                          <p:attrName>style.visibility</p:attrName>
+                                        </p:attrNameLst>
+                                      </p:cBhvr>
+                                      <p:to>
+                                        <p:strVal val="visible"/>
+                                      </p:to>
+                                    </p:set>
+                                    <p:anim calcmode="lin" valueType="num">
+                                      <p:cBhvr additive="base">
+                                        <p:cTn id="13" dur="500" fill="hold"/>
+                                        <p:tgtEl>
+                                          <p:spTgt spid="2">
+                                            <p:txEl>
+                                              <p:pRg st="1" end="1"/>
+                                            </p:txEl>
+                                          </p:spTgt>
+                                        </p:tgtEl>
+                                        <p:attrNameLst>
+                                          <p:attrName>ppt_x</p:attrName>
+                                        </p:attrNameLst>
+                                      </p:cBhvr>
+                                      <p:tavLst>
+                                        <p:tav tm="0">
+                                          <p:val>
+                                            <p:strVal val="#ppt_x"/>
+                                          </p:val>
+                                        </p:tav>
+                                        <p:tav tm="100000">
+                                          <p:val>
+                                            <p:strVal val="#ppt_x"/>
+                                          </p:val>
+                                        </p:tav>
+                                      </p:tavLst>
+                                    </p:anim>
+                                    <p:anim calcmode="lin" valueType="num">
+                                      <p:cBhvr additive="base">
+                                        <p:cTn id="14" dur="500" fill="hold"/>
+                                        <p:tgtEl>
+                                          <p:spTgt spid="2">
+                                            <p:txEl>
+                                              <p:pRg st="1" end="1"/>
+                                            </p:txEl>
+                                          </p:spTgt>
+                                        </p:tgtEl>
+                                        <p:attrNameLst>
+                                          <p:attrName>ppt_y</p:attrName>
+                                        </p:attrNameLst>
+                                      </p:cBhvr>
+                                      <p:tavLst>
+                                        <p:tav tm="0">
+                                          <p:val>
+                                            <p:strVal val="1+#ppt_h/2"/>
+                                          </p:val>
+                                        </p:tav>
+                                        <p:tav tm="100000">
+                                          <p:val>
+                                            <p:strVal val="#ppt_y"/>
+                                          </p:val>
+                                        </p:tav>
+                                      </p:tavLst>
+                                    </p:anim>
+                                  </p:childTnLst>
+                                </p:cTn>
+                              </p:par>
+                            </p:childTnLst>
+                          </p:cTn>
+                        </p:par>
+                      </p:childTnLst>
+                    </p:cTn>
+                  </p:par>
+                  <p:par>
+                    <p:cTn id="15" fill="hold">
+                      <p:stCondLst>
+                        <p:cond delay="indefinite"/>
+                      </p:stCondLst>
+                      <p:childTnLst>
+                        <p:par>
+                          <p:cTn id="16" fill="hold">
+                            <p:stCondLst>
+                              <p:cond delay="0"/>
+                            </p:stCondLst>
+                            <p:childTnLst>
+                              <p:par>
+                                <p:cTn id="17" presetID="2" presetClass="entr" presetSubtype="4" fill="hold" nodeType="clickEffect">
+                                  <p:stCondLst>
+                                    <p:cond delay="0"/>
+                                  </p:stCondLst>
+                                  <p:childTnLst>
+                                    <p:set>
+                                      <p:cBhvr>
+                                        <p:cTn id="18" dur="1" fill="hold">
+                                          <p:stCondLst>
+                                            <p:cond delay="0"/>
+                                          </p:stCondLst>
+                                        </p:cTn>
+                                        <p:tgtEl>
+                                          <p:spTgt spid="2">
+                                            <p:txEl>
+                                              <p:pRg st="2" end="2"/>
+                                            </p:txEl>
+                                          </p:spTgt>
+                                        </p:tgtEl>
+                                        <p:attrNameLst>
+                                          <p:attrName>style.visibility</p:attrName>
+                                        </p:attrNameLst>
+                                      </p:cBhvr>
+                                      <p:to>
+                                        <p:strVal val="visible"/>
+                                      </p:to>
+                                    </p:set>
+                                    <p:anim calcmode="lin" valueType="num">
+                                      <p:cBhvr additive="base">
+                                        <p:cTn id="19" dur="500" fill="hold"/>
+                                        <p:tgtEl>
+                                          <p:spTgt spid="2">
+                                            <p:txEl>
+                                              <p:pRg st="2" end="2"/>
+                                            </p:txEl>
+                                          </p:spTgt>
+                                        </p:tgtEl>
+                                        <p:attrNameLst>
+                                          <p:attrName>ppt_x</p:attrName>
+                                        </p:attrNameLst>
+                                      </p:cBhvr>
+                                      <p:tavLst>
+                                        <p:tav tm="0">
+                                          <p:val>
+                                            <p:strVal val="#ppt_x"/>
+                                          </p:val>
+                                        </p:tav>
+                                        <p:tav tm="100000">
+                                          <p:val>
+                                            <p:strVal val="#ppt_x"/>
+                                          </p:val>
+                                        </p:tav>
+                                      </p:tavLst>
+                                    </p:anim>
+                                    <p:anim calcmode="lin" valueType="num">
+                                      <p:cBhvr additive="base">
+                                        <p:cTn id="20" dur="500" fill="hold"/>
+                                        <p:tgtEl>
+                                          <p:spTgt spid="2">
+                                            <p:txEl>
+                                              <p:pRg st="2" end="2"/>
+                                            </p:txEl>
+                                          </p:spTgt>
+                                        </p:tgtEl>
+                                        <p:attrNameLst>
+                                          <p:attrName>ppt_y</p:attrName>
+                                        </p:attrNameLst>
+                                      </p:cBhvr>
+                                      <p:tavLst>
+                                        <p:tav tm="0">
+                                          <p:val>
+                                            <p:strVal val="1+#ppt_h/2"/>
+                                          </p:val>
+                                        </p:tav>
+                                        <p:tav tm="100000">
+                                          <p:val>
+                                            <p:strVal val="#ppt_y"/>
+                                          </p:val>
+                                        </p:tav>
+                                      </p:tavLst>
+                                    </p:anim>
+                                  </p:childTnLst>
+                                </p:cTn>
+                              </p:par>
+                            </p:childTnLst>
+                          </p:cTn>
+                        </p:par>
+                      </p:childTnLst>
+                    </p:cTn>
+                  </p:par>
+                  <p:par>
+                    <p:cTn id="21" fill="hold">
+                      <p:stCondLst>
+                        <p:cond delay="indefinite"/>
+                      </p:stCondLst>
+                      <p:childTnLst>
+                        <p:par>
+                          <p:cTn id="22" fill="hold">
+                            <p:stCondLst>
+                              <p:cond delay="0"/>
+                            </p:stCondLst>
+                            <p:childTnLst>
+                              <p:par>
+                                <p:cTn id="23" presetID="2" presetClass="entr" presetSubtype="4" fill="hold" nodeType="clickEffect">
+                                  <p:stCondLst>
+                                    <p:cond delay="0"/>
+                                  </p:stCondLst>
+                                  <p:childTnLst>
+                                    <p:set>
+                                      <p:cBhvr>
+                                        <p:cTn id="24" dur="1" fill="hold">
+                                          <p:stCondLst>
+                                            <p:cond delay="0"/>
+                                          </p:stCondLst>
+                                        </p:cTn>
+                                        <p:tgtEl>
+                                          <p:spTgt spid="2">
+                                            <p:txEl>
+                                              <p:pRg st="3" end="3"/>
+                                            </p:txEl>
+                                          </p:spTgt>
+                                        </p:tgtEl>
+                                        <p:attrNameLst>
+                                          <p:attrName>style.visibility</p:attrName>
+                                        </p:attrNameLst>
+                                      </p:cBhvr>
+                                      <p:to>
+                                        <p:strVal val="visible"/>
+                                      </p:to>
+                                    </p:set>
+                                    <p:anim calcmode="lin" valueType="num">
+                                      <p:cBhvr additive="base">
+                                        <p:cTn id="25" dur="500" fill="hold"/>
+                                        <p:tgtEl>
+                                          <p:spTgt spid="2">
+                                            <p:txEl>
+                                              <p:pRg st="3" end="3"/>
+                                            </p:txEl>
+                                          </p:spTgt>
+                                        </p:tgtEl>
+                                        <p:attrNameLst>
+                                          <p:attrName>ppt_x</p:attrName>
+                                        </p:attrNameLst>
+                                      </p:cBhvr>
+                                      <p:tavLst>
+                                        <p:tav tm="0">
+                                          <p:val>
+                                            <p:strVal val="#ppt_x"/>
+                                          </p:val>
+                                        </p:tav>
+                                        <p:tav tm="100000">
+                                          <p:val>
+                                            <p:strVal val="#ppt_x"/>
+                                          </p:val>
+                                        </p:tav>
+                                      </p:tavLst>
+                                    </p:anim>
+                                    <p:anim calcmode="lin" valueType="num">
+                                      <p:cBhvr additive="base">
+                                        <p:cTn id="26" dur="500" fill="hold"/>
+                                        <p:tgtEl>
+                                          <p:spTgt spid="2">
+                                            <p:txEl>
+                                              <p:pRg st="3" end="3"/>
+                                            </p:txEl>
+                                          </p:spTgt>
+                                        </p:tgtEl>
+                                        <p:attrNameLst>
+                                          <p:attrName>ppt_y</p:attrName>
+                                        </p:attrNameLst>
+                                      </p:cBhvr>
+                                      <p:tavLst>
+                                        <p:tav tm="0">
+                                          <p:val>
+                                            <p:strVal val="1+#ppt_h/2"/>
+                                          </p:val>
+                                        </p:tav>
+                                        <p:tav tm="100000">
+                                          <p:val>
+                                            <p:strVal val="#ppt_y"/>
+                                          </p:val>
+                                        </p:tav>
+                                      </p:tavLst>
+                                    </p:anim>
+                                  </p:childTnLst>
+                                </p:cTn>
+                              </p:par>
+                            </p:childTnLst>
+                          </p:cTn>
+                        </p:par>
+                      </p:childTnLst>
+                    </p:cTn>
+                  </p:par>
+                  <p:par>
+                    <p:cTn id="27" fill="hold">
+                      <p:stCondLst>
+                        <p:cond delay="indefinite"/>
+                      </p:stCondLst>
+                      <p:childTnLst>
+                        <p:par>
+                          <p:cTn id="28" fill="hold">
+                            <p:stCondLst>
+                              <p:cond delay="0"/>
+                            </p:stCondLst>
+                            <p:childTnLst>
+                              <p:par>
+                                <p:cTn id="29" presetID="2" presetClass="entr" presetSubtype="4" fill="hold" nodeType="clickEffect">
+                                  <p:stCondLst>
+                                    <p:cond delay="0"/>
+                                  </p:stCondLst>
+                                  <p:childTnLst>
+                                    <p:set>
+                                      <p:cBhvr>
+                                        <p:cTn id="30" dur="1" fill="hold">
+                                          <p:stCondLst>
+                                            <p:cond delay="0"/>
+                                          </p:stCondLst>
+                                        </p:cTn>
+                                        <p:tgtEl>
+                                          <p:spTgt spid="2">
+                                            <p:txEl>
+                                              <p:pRg st="4" end="4"/>
+                                            </p:txEl>
+                                          </p:spTgt>
+                                        </p:tgtEl>
+                                        <p:attrNameLst>
+                                          <p:attrName>style.visibility</p:attrName>
+                                        </p:attrNameLst>
+                                      </p:cBhvr>
+                                      <p:to>
+                                        <p:strVal val="visible"/>
+                                      </p:to>
+                                    </p:set>
+                                    <p:anim calcmode="lin" valueType="num">
+                                      <p:cBhvr additive="base">
+                                        <p:cTn id="31" dur="500" fill="hold"/>
+                                        <p:tgtEl>
+                                          <p:spTgt spid="2">
+                                            <p:txEl>
+                                              <p:pRg st="4" end="4"/>
+                                            </p:txEl>
+                                          </p:spTgt>
+                                        </p:tgtEl>
+                                        <p:attrNameLst>
+                                          <p:attrName>ppt_x</p:attrName>
+                                        </p:attrNameLst>
+                                      </p:cBhvr>
+                                      <p:tavLst>
+                                        <p:tav tm="0">
+                                          <p:val>
+                                            <p:strVal val="#ppt_x"/>
+                                          </p:val>
+                                        </p:tav>
+                                        <p:tav tm="100000">
+                                          <p:val>
+                                            <p:strVal val="#ppt_x"/>
+                                          </p:val>
+                                        </p:tav>
+                                      </p:tavLst>
+                                    </p:anim>
+                                    <p:anim calcmode="lin" valueType="num">
+                                      <p:cBhvr additive="base">
+                                        <p:cTn id="32" dur="500" fill="hold"/>
+                                        <p:tgtEl>
+                                          <p:spTgt spid="2">
+                                            <p:txEl>
+                                              <p:pRg st="4" end="4"/>
+                                            </p:txEl>
+                                          </p:spTgt>
+                                        </p:tgtEl>
+                                        <p:attrNameLst>
+                                          <p:attrName>ppt_y</p:attrName>
+                                        </p:attrNameLst>
+                                      </p:cBhvr>
+                                      <p:tavLst>
+                                        <p:tav tm="0">
+                                          <p:val>
+                                            <p:strVal val="1+#ppt_h/2"/>
+                                          </p:val>
+                                        </p:tav>
+                                        <p:tav tm="100000">
+                                          <p:val>
+                                            <p:strVal val="#ppt_y"/>
+                                          </p:val>
+                                        </p:tav>
+                                      </p:tavLst>
+                                    </p:anim>
+                                  </p:childTnLst>
+                                </p:cTn>
+                              </p:par>
+                            </p:childTnLst>
+                          </p:cTn>
+                        </p:par>
+                      </p:childTnLst>
+                    </p:cTn>
+                  </p:par>
+                  <p:par>
+                    <p:cTn id="33" fill="hold">
+                      <p:stCondLst>
+                        <p:cond delay="indefinite"/>
+                      </p:stCondLst>
+                      <p:childTnLst>
+                        <p:par>
+                          <p:cTn id="34" fill="hold">
+                            <p:stCondLst>
+                              <p:cond delay="0"/>
+                            </p:stCondLst>
+                            <p:childTnLst>
+                              <p:par>
+                                <p:cTn id="35" presetID="2" presetClass="entr" presetSubtype="4" fill="hold" nodeType="clickEffect">
+                                  <p:stCondLst>
+                                    <p:cond delay="0"/>
+                                  </p:stCondLst>
+                                  <p:childTnLst>
+                                    <p:set>
+                                      <p:cBhvr>
+                                        <p:cTn id="36" dur="1" fill="hold">
+                                          <p:stCondLst>
+                                            <p:cond delay="0"/>
+                                          </p:stCondLst>
+                                        </p:cTn>
+                                        <p:tgtEl>
+                                          <p:spTgt spid="2">
+                                            <p:txEl>
+                                              <p:pRg st="5" end="5"/>
+                                            </p:txEl>
+                                          </p:spTgt>
+                                        </p:tgtEl>
+                                        <p:attrNameLst>
+                                          <p:attrName>style.visibility</p:attrName>
+                                        </p:attrNameLst>
+                                      </p:cBhvr>
+                                      <p:to>
+                                        <p:strVal val="visible"/>
+                                      </p:to>
+                                    </p:set>
+                                    <p:anim calcmode="lin" valueType="num">
+                                      <p:cBhvr additive="base">
+                                        <p:cTn id="37" dur="500" fill="hold"/>
+                                        <p:tgtEl>
+                                          <p:spTgt spid="2">
+                                            <p:txEl>
+                                              <p:pRg st="5" end="5"/>
+                                            </p:txEl>
+                                          </p:spTgt>
+                                        </p:tgtEl>
+                                        <p:attrNameLst>
+                                          <p:attrName>ppt_x</p:attrName>
+                                        </p:attrNameLst>
+                                      </p:cBhvr>
+                                      <p:tavLst>
+                                        <p:tav tm="0">
+                                          <p:val>
+                                            <p:strVal val="#ppt_x"/>
+                                          </p:val>
+                                        </p:tav>
+                                        <p:tav tm="100000">
+                                          <p:val>
+                                            <p:strVal val="#ppt_x"/>
+                                          </p:val>
+                                        </p:tav>
+                                      </p:tavLst>
+                                    </p:anim>
+                                    <p:anim calcmode="lin" valueType="num">
+                                      <p:cBhvr additive="base">
+                                        <p:cTn id="38" dur="500" fill="hold"/>
+                                        <p:tgtEl>
+                                          <p:spTgt spid="2">
+                                            <p:txEl>
+                                              <p:pRg st="5" end="5"/>
+                                            </p:txEl>
+                                          </p:spTgt>
+                                        </p:tgtEl>
+                                        <p:attrNameLst>
+                                          <p:attrName>ppt_y</p:attrName>
+                                        </p:attrNameLst>
+                                      </p:cBhvr>
+                                      <p:tavLst>
+                                        <p:tav tm="0">
+                                          <p:val>
+                                            <p:strVal val="1+#ppt_h/2"/>
+                                          </p:val>
+                                        </p:tav>
+                                        <p:tav tm="100000">
+                                          <p:val>
+                                            <p:strVal val="#ppt_y"/>
+                                          </p:val>
+                                        </p:tav>
+                                      </p:tavLst>
+                                    </p:anim>
+                                  </p:childTnLst>
+                                </p:cTn>
+                              </p:par>
+                            </p:childTnLst>
+                          </p:cTn>
+                        </p:par>
+                      </p:childTnLst>
+                    </p:cTn>
+                  </p:par>
+                </p:childTnLst>
+              </p:cTn>
+              <p:prevCondLst>
+                <p:cond evt="onPrev" delay="0">
+                  <p:tgtEl>
+                    <p:sldTgt/>
+                  </p:tgtEl>
+                </p:cond>
+              </p:prevCondLst>
+              <p:nextCondLst>
+                <p:cond evt="onNext" delay="0">
+                  <p:tgtEl>
+                    <p:sldTgt/>
+                  </p:tgtEl>
+                </p:cond>
+              </p:nextCondLst>
+            </p:seq>
+          </p:childTnLst>
+        </p:cTn>
       </p:par>
     </p:tnLst>
   </p:timing>
